--- a/cache/5c1a6c3d-c1b3-47cb-9b01-8d1b7544ffa1/39_2.pptx
+++ b/cache/5c1a6c3d-c1b3-47cb-9b01-8d1b7544ffa1/39_2.pptx
@@ -67,7 +67,7 @@
         <p:txBody>
           <a:bodyPr/>
           <a:p>
-            <a:fld id="{4BD3CE22-4954-4EB2-85B4-981F0B6FA6E5}" type="slidenum">
+            <a:fld id="{6B9299A3-5600-4A54-9ABF-401F7D9C38E4}" type="slidenum">
               <a:t>&lt;#&gt;</a:t>
             </a:fld>
           </a:p>
@@ -255,7 +255,7 @@
         <p:txBody>
           <a:bodyPr/>
           <a:p>
-            <a:fld id="{49D4BB34-911D-4764-BEEF-967FACC86A06}" type="slidenum">
+            <a:fld id="{71487D78-5949-4249-9B07-110F7B4D5423}" type="slidenum">
               <a:t>&lt;#&gt;</a:t>
             </a:fld>
           </a:p>
@@ -511,7 +511,7 @@
         <p:txBody>
           <a:bodyPr/>
           <a:p>
-            <a:fld id="{7E4A8D39-A758-4458-A428-CC4CE4BF7E37}" type="slidenum">
+            <a:fld id="{B3139847-9D08-4FE2-BCBA-2928446DDAD9}" type="slidenum">
               <a:t>&lt;#&gt;</a:t>
             </a:fld>
           </a:p>
@@ -835,7 +835,7 @@
         <p:txBody>
           <a:bodyPr/>
           <a:p>
-            <a:fld id="{C1F49D21-F379-494D-9A9C-517C97499A38}" type="slidenum">
+            <a:fld id="{F10175E7-9606-4F72-9D98-47A43B6EAE82}" type="slidenum">
               <a:t>&lt;#&gt;</a:t>
             </a:fld>
           </a:p>
@@ -992,7 +992,7 @@
         <p:txBody>
           <a:bodyPr/>
           <a:p>
-            <a:fld id="{ED8BC6D4-B60C-462A-B07C-1286E87E63CF}" type="slidenum">
+            <a:fld id="{DC8E76BD-6892-4A30-A9AA-9DDC7B1115CE}" type="slidenum">
               <a:t>&lt;#&gt;</a:t>
             </a:fld>
           </a:p>
@@ -1146,7 +1146,7 @@
         <p:txBody>
           <a:bodyPr/>
           <a:p>
-            <a:fld id="{692D7C50-15BB-4642-B6D0-92E821BE1DBD}" type="slidenum">
+            <a:fld id="{AFC9193E-282F-4748-8469-FB4063F71EAD}" type="slidenum">
               <a:t>&lt;#&gt;</a:t>
             </a:fld>
           </a:p>
@@ -1334,7 +1334,7 @@
         <p:txBody>
           <a:bodyPr/>
           <a:p>
-            <a:fld id="{9420977B-256A-4DCB-9B7F-31023062C7B1}" type="slidenum">
+            <a:fld id="{4C804EE7-33A6-450E-B870-0096EDD9991A}" type="slidenum">
               <a:t>&lt;#&gt;</a:t>
             </a:fld>
           </a:p>
@@ -1454,7 +1454,7 @@
         <p:txBody>
           <a:bodyPr/>
           <a:p>
-            <a:fld id="{12806390-6F9D-45BD-9D52-E2DA452F51A1}" type="slidenum">
+            <a:fld id="{8C52DAC3-62E3-40C9-A4A1-070DF945B1A5}" type="slidenum">
               <a:t>&lt;#&gt;</a:t>
             </a:fld>
           </a:p>
@@ -1574,7 +1574,7 @@
         <p:txBody>
           <a:bodyPr/>
           <a:p>
-            <a:fld id="{86DE6993-9D78-499D-A2AE-63CD66A6A2FD}" type="slidenum">
+            <a:fld id="{FD943A07-0D76-49CE-B96F-A98674026923}" type="slidenum">
               <a:t>&lt;#&gt;</a:t>
             </a:fld>
           </a:p>
@@ -1796,7 +1796,7 @@
         <p:txBody>
           <a:bodyPr/>
           <a:p>
-            <a:fld id="{E4D717C1-8AE7-42EF-8F50-D3308C7AA028}" type="slidenum">
+            <a:fld id="{940881D1-3075-4844-9821-E08FAE8C1119}" type="slidenum">
               <a:t>&lt;#&gt;</a:t>
             </a:fld>
           </a:p>
@@ -2018,7 +2018,7 @@
         <p:txBody>
           <a:bodyPr/>
           <a:p>
-            <a:fld id="{81EEFD8E-0DD6-4344-82DB-AFCFE62F2BEC}" type="slidenum">
+            <a:fld id="{550DD9F3-42DC-4C18-949C-198A1AE89550}" type="slidenum">
               <a:t>&lt;#&gt;</a:t>
             </a:fld>
           </a:p>
@@ -2240,7 +2240,7 @@
         <p:txBody>
           <a:bodyPr/>
           <a:p>
-            <a:fld id="{50A257CD-33A2-4A14-B65F-73C5035EF376}" type="slidenum">
+            <a:fld id="{8A89A418-9BF2-4D34-B102-799EA48DB9DE}" type="slidenum">
               <a:t>&lt;#&gt;</a:t>
             </a:fld>
           </a:p>
@@ -2398,7 +2398,7 @@
               </a:lnSpc>
               <a:buNone/>
             </a:pPr>
-            <a:fld id="{2FE74EF4-88A7-4600-A7BC-BF9AEC3C3852}" type="slidenum">
+            <a:fld id="{E5A3498B-27C6-46D9-A7F9-09EBDCCD5DB4}" type="slidenum">
               <a:rPr b="0" lang="en-HK" sz="2400" spc="-1" strike="noStrike">
                 <a:latin typeface="Times New Roman"/>
               </a:rPr>
@@ -3228,7 +3228,7 @@
         <p:spPr>
           <a:xfrm>
             <a:off x="1020240" y="2396520"/>
-            <a:ext cx="6233400" cy="3999600"/>
+            <a:ext cx="6233400" cy="2666520"/>
           </a:xfrm>
           <a:prstGeom prst="rect">
             <a:avLst/>
@@ -3256,7 +3256,7 @@
               <a:buNone/>
             </a:pPr>
             <a:r>
-              <a:rPr b="1" lang="en-US" sz="4400" spc="-1" strike="noStrike" u="sng">
+              <a:rPr b="0" lang="en-US" sz="4400" spc="-1" strike="noStrike" u="sng">
                 <a:solidFill>
                   <a:srgbClr val="ffffff"/>
                 </a:solidFill>

--- a/cache/5c1a6c3d-c1b3-47cb-9b01-8d1b7544ffa1/39_2.pptx
+++ b/cache/5c1a6c3d-c1b3-47cb-9b01-8d1b7544ffa1/39_2.pptx
@@ -67,7 +67,7 @@
         <p:txBody>
           <a:bodyPr/>
           <a:p>
-            <a:fld id="{6B9299A3-5600-4A54-9ABF-401F7D9C38E4}" type="slidenum">
+            <a:fld id="{0AC8F645-AD58-4FD8-8955-A14BC986E9A1}" type="slidenum">
               <a:t>&lt;#&gt;</a:t>
             </a:fld>
           </a:p>
@@ -255,7 +255,7 @@
         <p:txBody>
           <a:bodyPr/>
           <a:p>
-            <a:fld id="{71487D78-5949-4249-9B07-110F7B4D5423}" type="slidenum">
+            <a:fld id="{CE9FE2A8-44BB-406A-8252-805D7AD3855F}" type="slidenum">
               <a:t>&lt;#&gt;</a:t>
             </a:fld>
           </a:p>
@@ -511,7 +511,7 @@
         <p:txBody>
           <a:bodyPr/>
           <a:p>
-            <a:fld id="{B3139847-9D08-4FE2-BCBA-2928446DDAD9}" type="slidenum">
+            <a:fld id="{414B21BB-2C67-4F7A-9C07-8CA3D3E04CCF}" type="slidenum">
               <a:t>&lt;#&gt;</a:t>
             </a:fld>
           </a:p>
@@ -835,7 +835,7 @@
         <p:txBody>
           <a:bodyPr/>
           <a:p>
-            <a:fld id="{F10175E7-9606-4F72-9D98-47A43B6EAE82}" type="slidenum">
+            <a:fld id="{03642441-72B1-4A8F-B4E1-DDE43A355B2C}" type="slidenum">
               <a:t>&lt;#&gt;</a:t>
             </a:fld>
           </a:p>
@@ -992,7 +992,7 @@
         <p:txBody>
           <a:bodyPr/>
           <a:p>
-            <a:fld id="{DC8E76BD-6892-4A30-A9AA-9DDC7B1115CE}" type="slidenum">
+            <a:fld id="{13BB357A-A3DE-4EDC-A1AC-D8680415940B}" type="slidenum">
               <a:t>&lt;#&gt;</a:t>
             </a:fld>
           </a:p>
@@ -1146,7 +1146,7 @@
         <p:txBody>
           <a:bodyPr/>
           <a:p>
-            <a:fld id="{AFC9193E-282F-4748-8469-FB4063F71EAD}" type="slidenum">
+            <a:fld id="{E0D7CF8A-8096-43CD-85DC-0F45AE7443FD}" type="slidenum">
               <a:t>&lt;#&gt;</a:t>
             </a:fld>
           </a:p>
@@ -1334,7 +1334,7 @@
         <p:txBody>
           <a:bodyPr/>
           <a:p>
-            <a:fld id="{4C804EE7-33A6-450E-B870-0096EDD9991A}" type="slidenum">
+            <a:fld id="{986B0B76-5812-4B0D-A569-434C0F54D2C5}" type="slidenum">
               <a:t>&lt;#&gt;</a:t>
             </a:fld>
           </a:p>
@@ -1454,7 +1454,7 @@
         <p:txBody>
           <a:bodyPr/>
           <a:p>
-            <a:fld id="{8C52DAC3-62E3-40C9-A4A1-070DF945B1A5}" type="slidenum">
+            <a:fld id="{5D90C6F8-FEB1-427D-B834-B95A54311C69}" type="slidenum">
               <a:t>&lt;#&gt;</a:t>
             </a:fld>
           </a:p>
@@ -1574,7 +1574,7 @@
         <p:txBody>
           <a:bodyPr/>
           <a:p>
-            <a:fld id="{FD943A07-0D76-49CE-B96F-A98674026923}" type="slidenum">
+            <a:fld id="{D0895CB4-BCFF-4F93-8861-97FF96B7290D}" type="slidenum">
               <a:t>&lt;#&gt;</a:t>
             </a:fld>
           </a:p>
@@ -1796,7 +1796,7 @@
         <p:txBody>
           <a:bodyPr/>
           <a:p>
-            <a:fld id="{940881D1-3075-4844-9821-E08FAE8C1119}" type="slidenum">
+            <a:fld id="{7560ADFF-61C4-4E45-82B7-79209ED59D93}" type="slidenum">
               <a:t>&lt;#&gt;</a:t>
             </a:fld>
           </a:p>
@@ -2018,7 +2018,7 @@
         <p:txBody>
           <a:bodyPr/>
           <a:p>
-            <a:fld id="{550DD9F3-42DC-4C18-949C-198A1AE89550}" type="slidenum">
+            <a:fld id="{64577D0A-1985-4659-96F4-A3C9BD3AC508}" type="slidenum">
               <a:t>&lt;#&gt;</a:t>
             </a:fld>
           </a:p>
@@ -2240,7 +2240,7 @@
         <p:txBody>
           <a:bodyPr/>
           <a:p>
-            <a:fld id="{8A89A418-9BF2-4D34-B102-799EA48DB9DE}" type="slidenum">
+            <a:fld id="{3711424F-89B8-446C-B37F-536A6700F63C}" type="slidenum">
               <a:t>&lt;#&gt;</a:t>
             </a:fld>
           </a:p>
@@ -2345,7 +2345,7 @@
               <a:rPr b="0" lang="en-HK" sz="1400" spc="-1" strike="noStrike">
                 <a:latin typeface="Times New Roman"/>
               </a:rPr>
-              <a:t> </a:t>
+              <a:t>&lt;footer&gt;</a:t>
             </a:r>
             <a:endParaRPr b="0" lang="en-HK" sz="1400" spc="-1" strike="noStrike">
               <a:latin typeface="Times New Roman"/>
@@ -2398,11 +2398,11 @@
               </a:lnSpc>
               <a:buNone/>
             </a:pPr>
-            <a:fld id="{E5A3498B-27C6-46D9-A7F9-09EBDCCD5DB4}" type="slidenum">
+            <a:fld id="{825E6D52-4219-4EBA-BD68-18C9784165E0}" type="slidenum">
               <a:rPr b="0" lang="en-HK" sz="2400" spc="-1" strike="noStrike">
                 <a:latin typeface="Times New Roman"/>
               </a:rPr>
-              <a:t>5</a:t>
+              <a:t>&lt;number&gt;</a:t>
             </a:fld>
             <a:endParaRPr b="0" lang="en-HK" sz="2400" spc="-1" strike="noStrike">
               <a:latin typeface="Times New Roman"/>
@@ -2449,7 +2449,7 @@
               <a:rPr b="0" lang="en-HK" sz="1400" spc="-1" strike="noStrike">
                 <a:latin typeface="Times New Roman"/>
               </a:rPr>
-              <a:t> </a:t>
+              <a:t>&lt;date/time&gt;</a:t>
             </a:r>
             <a:endParaRPr b="0" lang="en-HK" sz="1400" spc="-1" strike="noStrike">
               <a:latin typeface="Times New Roman"/>
@@ -3228,7 +3228,7 @@
         <p:spPr>
           <a:xfrm>
             <a:off x="1020240" y="2396520"/>
-            <a:ext cx="6233400" cy="2666520"/>
+            <a:ext cx="6233400" cy="3999600"/>
           </a:xfrm>
           <a:prstGeom prst="rect">
             <a:avLst/>
@@ -3256,7 +3256,7 @@
               <a:buNone/>
             </a:pPr>
             <a:r>
-              <a:rPr b="0" lang="en-US" sz="4400" spc="-1" strike="noStrike" u="sng">
+              <a:rPr b="1" lang="en-US" sz="4400" spc="-1" strike="noStrike" u="sng">
                 <a:solidFill>
                   <a:srgbClr val="ffffff"/>
                 </a:solidFill>
@@ -3266,7 +3266,7 @@
               </a:rPr>
               <a:t>Business Infographic Template </a:t>
             </a:r>
-            <a:endParaRPr b="1" lang="en-HK" sz="4400" spc="-1" strike="noStrike" u="sng">
+            <a:endParaRPr b="1" i="1" lang="en-HK" sz="4400" spc="-1" strike="noStrike" u="sng">
               <a:uFillTx/>
               <a:latin typeface="Arial"/>
             </a:endParaRPr>
